--- a/docs/abbildungen/20160324_konzept.pptx
+++ b/docs/abbildungen/20160324_konzept.pptx
@@ -205,7 +205,7 @@
           <a:p>
             <a:fld id="{5753CF93-5E45-3941-8549-3B143DEE3F14}" type="datetimeFigureOut">
               <a:rPr lang="de-DE" smtClean="0"/>
-              <a:t>24.03.16</a:t>
+              <a:t>25.03.16</a:t>
             </a:fld>
             <a:endParaRPr lang="de-DE"/>
           </a:p>
@@ -370,7 +370,7 @@
           <a:p>
             <a:fld id="{4D226F5A-AAEC-4749-BFD1-7AB217528327}" type="datetimeFigureOut">
               <a:rPr lang="de-DE" smtClean="0"/>
-              <a:t>24.03.16</a:t>
+              <a:t>25.03.16</a:t>
             </a:fld>
             <a:endParaRPr lang="de-DE"/>
           </a:p>
@@ -1033,7 +1033,7 @@
           <a:p>
             <a:fld id="{CAD28D52-5B67-8840-9FB3-766E3199C55A}" type="datetimeFigureOut">
               <a:rPr lang="de-DE" smtClean="0"/>
-              <a:t>24.03.16</a:t>
+              <a:t>25.03.16</a:t>
             </a:fld>
             <a:endParaRPr lang="de-DE"/>
           </a:p>
@@ -1203,7 +1203,7 @@
           <a:p>
             <a:fld id="{CAD28D52-5B67-8840-9FB3-766E3199C55A}" type="datetimeFigureOut">
               <a:rPr lang="de-DE" smtClean="0"/>
-              <a:t>24.03.16</a:t>
+              <a:t>25.03.16</a:t>
             </a:fld>
             <a:endParaRPr lang="de-DE"/>
           </a:p>
@@ -1383,7 +1383,7 @@
           <a:p>
             <a:fld id="{CAD28D52-5B67-8840-9FB3-766E3199C55A}" type="datetimeFigureOut">
               <a:rPr lang="de-DE" smtClean="0"/>
-              <a:t>24.03.16</a:t>
+              <a:t>25.03.16</a:t>
             </a:fld>
             <a:endParaRPr lang="de-DE"/>
           </a:p>
@@ -1553,7 +1553,7 @@
           <a:p>
             <a:fld id="{CAD28D52-5B67-8840-9FB3-766E3199C55A}" type="datetimeFigureOut">
               <a:rPr lang="de-DE" smtClean="0"/>
-              <a:t>24.03.16</a:t>
+              <a:t>25.03.16</a:t>
             </a:fld>
             <a:endParaRPr lang="de-DE"/>
           </a:p>
@@ -1799,7 +1799,7 @@
           <a:p>
             <a:fld id="{CAD28D52-5B67-8840-9FB3-766E3199C55A}" type="datetimeFigureOut">
               <a:rPr lang="de-DE" smtClean="0"/>
-              <a:t>24.03.16</a:t>
+              <a:t>25.03.16</a:t>
             </a:fld>
             <a:endParaRPr lang="de-DE"/>
           </a:p>
@@ -2031,7 +2031,7 @@
           <a:p>
             <a:fld id="{CAD28D52-5B67-8840-9FB3-766E3199C55A}" type="datetimeFigureOut">
               <a:rPr lang="de-DE" smtClean="0"/>
-              <a:t>24.03.16</a:t>
+              <a:t>25.03.16</a:t>
             </a:fld>
             <a:endParaRPr lang="de-DE"/>
           </a:p>
@@ -2398,7 +2398,7 @@
           <a:p>
             <a:fld id="{CAD28D52-5B67-8840-9FB3-766E3199C55A}" type="datetimeFigureOut">
               <a:rPr lang="de-DE" smtClean="0"/>
-              <a:t>24.03.16</a:t>
+              <a:t>25.03.16</a:t>
             </a:fld>
             <a:endParaRPr lang="de-DE"/>
           </a:p>
@@ -2516,7 +2516,7 @@
           <a:p>
             <a:fld id="{CAD28D52-5B67-8840-9FB3-766E3199C55A}" type="datetimeFigureOut">
               <a:rPr lang="de-DE" smtClean="0"/>
-              <a:t>24.03.16</a:t>
+              <a:t>25.03.16</a:t>
             </a:fld>
             <a:endParaRPr lang="de-DE"/>
           </a:p>
@@ -2611,7 +2611,7 @@
           <a:p>
             <a:fld id="{CAD28D52-5B67-8840-9FB3-766E3199C55A}" type="datetimeFigureOut">
               <a:rPr lang="de-DE" smtClean="0"/>
-              <a:t>24.03.16</a:t>
+              <a:t>25.03.16</a:t>
             </a:fld>
             <a:endParaRPr lang="de-DE"/>
           </a:p>
@@ -2888,7 +2888,7 @@
           <a:p>
             <a:fld id="{CAD28D52-5B67-8840-9FB3-766E3199C55A}" type="datetimeFigureOut">
               <a:rPr lang="de-DE" smtClean="0"/>
-              <a:t>24.03.16</a:t>
+              <a:t>25.03.16</a:t>
             </a:fld>
             <a:endParaRPr lang="de-DE"/>
           </a:p>
@@ -3141,7 +3141,7 @@
           <a:p>
             <a:fld id="{CAD28D52-5B67-8840-9FB3-766E3199C55A}" type="datetimeFigureOut">
               <a:rPr lang="de-DE" smtClean="0"/>
-              <a:t>24.03.16</a:t>
+              <a:t>25.03.16</a:t>
             </a:fld>
             <a:endParaRPr lang="de-DE"/>
           </a:p>
@@ -3354,7 +3354,7 @@
           <a:p>
             <a:fld id="{CAD28D52-5B67-8840-9FB3-766E3199C55A}" type="datetimeFigureOut">
               <a:rPr lang="de-DE" smtClean="0"/>
-              <a:t>24.03.16</a:t>
+              <a:t>25.03.16</a:t>
             </a:fld>
             <a:endParaRPr lang="de-DE"/>
           </a:p>
@@ -4086,7 +4086,7 @@
         </p:nvGrpSpPr>
         <p:grpSpPr>
           <a:xfrm>
-            <a:off x="1372539" y="2193178"/>
+            <a:off x="1372539" y="2145050"/>
             <a:ext cx="1694397" cy="1078090"/>
             <a:chOff x="4588557" y="253620"/>
             <a:chExt cx="2556111" cy="1420061"/>
@@ -4165,29 +4165,8 @@
                   <a:ea typeface="Avenir Book" charset="0"/>
                   <a:cs typeface="Avenir Book" charset="0"/>
                 </a:rPr>
-                <a:t>Co</a:t>
+                <a:t>Controller</a:t>
               </a:r>
-              <a:r>
-                <a:rPr lang="de-DE" sz="1600" dirty="0">
-                  <a:latin typeface="Avenir Book" charset="0"/>
-                  <a:ea typeface="Avenir Book" charset="0"/>
-                  <a:cs typeface="Avenir Book" charset="0"/>
-                </a:rPr>
-                <a:t>ntroll</a:t>
-              </a:r>
-              <a:r>
-                <a:rPr lang="de-DE" sz="1600" dirty="0">
-                  <a:latin typeface="Avenir Book" charset="0"/>
-                  <a:ea typeface="Avenir Book" charset="0"/>
-                  <a:cs typeface="Avenir Book" charset="0"/>
-                </a:rPr>
-                <a:t>er</a:t>
-              </a:r>
-              <a:endParaRPr lang="de-DE" sz="1600" dirty="0">
-                <a:latin typeface="Avenir Book" charset="0"/>
-                <a:ea typeface="Avenir Book" charset="0"/>
-                <a:cs typeface="Avenir Book" charset="0"/>
-              </a:endParaRPr>
             </a:p>
           </p:txBody>
         </p:sp>
@@ -4200,7 +4179,7 @@
         </p:nvGrpSpPr>
         <p:grpSpPr>
           <a:xfrm>
-            <a:off x="3020169" y="2333038"/>
+            <a:off x="3020169" y="2284910"/>
             <a:ext cx="1249600" cy="678051"/>
             <a:chOff x="3565395" y="690793"/>
             <a:chExt cx="1249600" cy="678051"/>
@@ -4244,11 +4223,6 @@
                 </a:rPr>
                 <a:t>Modbus TCP</a:t>
               </a:r>
-              <a:endParaRPr lang="de-DE" sz="1400" dirty="0">
-                <a:latin typeface="Avenir Book" charset="0"/>
-                <a:ea typeface="Avenir Book" charset="0"/>
-                <a:cs typeface="Avenir Book" charset="0"/>
-              </a:endParaRPr>
             </a:p>
           </p:txBody>
         </p:sp>
@@ -4292,11 +4266,6 @@
                 </a:rPr>
                 <a:t>Ethernet</a:t>
               </a:r>
-              <a:endParaRPr lang="de-DE" dirty="0">
-                <a:latin typeface="Avenir Book" charset="0"/>
-                <a:ea typeface="Avenir Book" charset="0"/>
-                <a:cs typeface="Avenir Book" charset="0"/>
-              </a:endParaRPr>
             </a:p>
           </p:txBody>
         </p:sp>
@@ -4309,7 +4278,7 @@
         </p:nvSpPr>
         <p:spPr>
           <a:xfrm>
-            <a:off x="4405761" y="2423441"/>
+            <a:off x="4405761" y="2375313"/>
             <a:ext cx="1211426" cy="545372"/>
           </a:xfrm>
           <a:prstGeom prst="rect">
@@ -4368,7 +4337,7 @@
         </p:nvGrpSpPr>
         <p:grpSpPr>
           <a:xfrm>
-            <a:off x="5753179" y="2333038"/>
+            <a:off x="5753179" y="2284910"/>
             <a:ext cx="1249600" cy="678051"/>
             <a:chOff x="8101548" y="1129079"/>
             <a:chExt cx="1249600" cy="678051"/>
@@ -4476,7 +4445,6 @@
                 <a:rPr lang="de-DE" dirty="0"/>
                 <a:t>RS-485</a:t>
               </a:r>
-              <a:endParaRPr lang="de-DE" dirty="0"/>
             </a:p>
           </p:txBody>
         </p:sp>
@@ -4489,7 +4457,7 @@
         </p:nvSpPr>
         <p:spPr>
           <a:xfrm>
-            <a:off x="7138771" y="2426127"/>
+            <a:off x="7138771" y="2377999"/>
             <a:ext cx="1690910" cy="540000"/>
           </a:xfrm>
           <a:prstGeom prst="rect">
@@ -4548,116 +4516,120 @@
           </a:p>
         </p:txBody>
       </p:sp>
-      <p:grpSp>
-        <p:nvGrpSpPr>
-          <p:cNvPr id="69" name="Gruppierung 68"/>
-          <p:cNvGrpSpPr/>
+      <p:sp>
+        <p:nvSpPr>
+          <p:cNvPr id="66" name="Textfeld 65"/>
+          <p:cNvSpPr txBox="1"/>
           <p:nvPr/>
-        </p:nvGrpSpPr>
-        <p:grpSpPr>
+        </p:nvSpPr>
+        <p:spPr>
           <a:xfrm>
-            <a:off x="8965673" y="2333038"/>
-            <a:ext cx="1249600" cy="673951"/>
-            <a:chOff x="7407101" y="1881055"/>
-            <a:chExt cx="1249600" cy="673951"/>
-          </a:xfrm>
-        </p:grpSpPr>
-        <p:sp>
-          <p:nvSpPr>
-            <p:cNvPr id="66" name="Textfeld 65"/>
-            <p:cNvSpPr txBox="1"/>
-            <p:nvPr/>
-          </p:nvSpPr>
-          <p:spPr>
-            <a:xfrm>
-              <a:off x="7407101" y="2247229"/>
-              <a:ext cx="1249600" cy="307777"/>
-            </a:xfrm>
-            <a:prstGeom prst="rect">
-              <a:avLst/>
-            </a:prstGeom>
+            <a:off x="8965673" y="2675718"/>
+            <a:ext cx="1249600" cy="523219"/>
+          </a:xfrm>
+          <a:prstGeom prst="rect">
+            <a:avLst/>
+          </a:prstGeom>
+          <a:solidFill>
+            <a:schemeClr val="bg1"/>
+          </a:solidFill>
+          <a:ln>
             <a:solidFill>
-              <a:schemeClr val="bg1"/>
+              <a:schemeClr val="tx1"/>
             </a:solidFill>
-            <a:ln>
-              <a:solidFill>
-                <a:schemeClr val="tx1"/>
-              </a:solidFill>
-            </a:ln>
-          </p:spPr>
-          <p:txBody>
-            <a:bodyPr wrap="square" rtlCol="0" anchor="ctr">
-              <a:spAutoFit/>
-            </a:bodyPr>
-            <a:lstStyle/>
-            <a:p>
-              <a:pPr algn="ctr"/>
-              <a:r>
-                <a:rPr lang="de-DE" sz="1400" dirty="0" smtClean="0">
-                  <a:latin typeface="Avenir Book" charset="0"/>
-                  <a:ea typeface="Avenir Book" charset="0"/>
-                  <a:cs typeface="Avenir Book" charset="0"/>
-                </a:rPr>
-                <a:t>0 .. 10V</a:t>
-              </a:r>
-              <a:endParaRPr lang="de-DE" sz="1400" dirty="0">
+          </a:ln>
+        </p:spPr>
+        <p:txBody>
+          <a:bodyPr wrap="square" rtlCol="0" anchor="ctr">
+            <a:spAutoFit/>
+          </a:bodyPr>
+          <a:lstStyle/>
+          <a:p>
+            <a:pPr algn="ctr"/>
+            <a:r>
+              <a:rPr lang="de-DE" sz="1400" dirty="0" smtClean="0">
                 <a:latin typeface="Avenir Book" charset="0"/>
                 <a:ea typeface="Avenir Book" charset="0"/>
                 <a:cs typeface="Avenir Book" charset="0"/>
-              </a:endParaRPr>
-            </a:p>
-          </p:txBody>
-        </p:sp>
-        <p:sp>
-          <p:nvSpPr>
-            <p:cNvPr id="67" name="Textfeld 66"/>
-            <p:cNvSpPr txBox="1"/>
-            <p:nvPr/>
-          </p:nvSpPr>
-          <p:spPr>
-            <a:xfrm>
-              <a:off x="7407101" y="1881055"/>
-              <a:ext cx="1249600" cy="369332"/>
-            </a:xfrm>
-            <a:prstGeom prst="rect">
-              <a:avLst/>
-            </a:prstGeom>
+              </a:rPr>
+              <a:t>-10 .. 10 </a:t>
+            </a:r>
+            <a:r>
+              <a:rPr lang="de-DE" sz="1400" dirty="0" smtClean="0">
+                <a:latin typeface="Avenir Book" charset="0"/>
+                <a:ea typeface="Avenir Book" charset="0"/>
+                <a:cs typeface="Avenir Book" charset="0"/>
+              </a:rPr>
+              <a:t>V</a:t>
+            </a:r>
+          </a:p>
+          <a:p>
+            <a:pPr algn="ctr"/>
+            <a:r>
+              <a:rPr lang="de-DE" sz="1400" dirty="0" smtClean="0">
+                <a:latin typeface="Avenir Book" charset="0"/>
+                <a:ea typeface="Avenir Book" charset="0"/>
+                <a:cs typeface="Avenir Book" charset="0"/>
+              </a:rPr>
+              <a:t>0 .. 20 mA</a:t>
+            </a:r>
+            <a:endParaRPr lang="de-DE" sz="1400" dirty="0">
+              <a:latin typeface="Avenir Book" charset="0"/>
+              <a:ea typeface="Avenir Book" charset="0"/>
+              <a:cs typeface="Avenir Book" charset="0"/>
+            </a:endParaRPr>
+          </a:p>
+        </p:txBody>
+      </p:sp>
+      <p:sp>
+        <p:nvSpPr>
+          <p:cNvPr id="67" name="Textfeld 66"/>
+          <p:cNvSpPr txBox="1"/>
+          <p:nvPr/>
+        </p:nvSpPr>
+        <p:spPr>
+          <a:xfrm>
+            <a:off x="8965673" y="2284910"/>
+            <a:ext cx="1249600" cy="369331"/>
+          </a:xfrm>
+          <a:prstGeom prst="rect">
+            <a:avLst/>
+          </a:prstGeom>
+          <a:solidFill>
+            <a:srgbClr val="CCFFCC"/>
+          </a:solidFill>
+          <a:ln>
             <a:solidFill>
-              <a:srgbClr val="CCFFCC"/>
+              <a:schemeClr val="tx1"/>
             </a:solidFill>
-            <a:ln>
-              <a:solidFill>
-                <a:schemeClr val="tx1"/>
-              </a:solidFill>
-            </a:ln>
-          </p:spPr>
-          <p:txBody>
-            <a:bodyPr wrap="square" rtlCol="0" anchor="ctr">
-              <a:spAutoFit/>
-            </a:bodyPr>
-            <a:lstStyle>
-              <a:defPPr>
-                <a:defRPr lang="de-DE"/>
-              </a:defPPr>
-              <a:lvl1pPr>
-                <a:defRPr>
-                  <a:latin typeface="Avenir Book" charset="0"/>
-                  <a:ea typeface="Avenir Book" charset="0"/>
-                  <a:cs typeface="Avenir Book" charset="0"/>
-                </a:defRPr>
-              </a:lvl1pPr>
-            </a:lstStyle>
-            <a:p>
-              <a:pPr algn="ctr"/>
-              <a:r>
-                <a:rPr lang="de-DE" dirty="0" smtClean="0"/>
-                <a:t>Analog</a:t>
-              </a:r>
-              <a:endParaRPr lang="de-DE" dirty="0"/>
-            </a:p>
-          </p:txBody>
-        </p:sp>
-      </p:grpSp>
+          </a:ln>
+        </p:spPr>
+        <p:txBody>
+          <a:bodyPr wrap="square" rtlCol="0" anchor="ctr">
+            <a:spAutoFit/>
+          </a:bodyPr>
+          <a:lstStyle>
+            <a:defPPr>
+              <a:defRPr lang="de-DE"/>
+            </a:defPPr>
+            <a:lvl1pPr>
+              <a:defRPr>
+                <a:latin typeface="Avenir Book" charset="0"/>
+                <a:ea typeface="Avenir Book" charset="0"/>
+                <a:cs typeface="Avenir Book" charset="0"/>
+              </a:defRPr>
+            </a:lvl1pPr>
+          </a:lstStyle>
+          <a:p>
+            <a:pPr algn="ctr"/>
+            <a:r>
+              <a:rPr lang="de-DE" dirty="0" smtClean="0"/>
+              <a:t>Analog</a:t>
+            </a:r>
+            <a:endParaRPr lang="de-DE" dirty="0"/>
+          </a:p>
+        </p:txBody>
+      </p:sp>
       <p:cxnSp>
         <p:nvCxnSpPr>
           <p:cNvPr id="40" name="Gerade Verbindung 39"/>
@@ -4666,7 +4638,7 @@
         </p:nvCxnSpPr>
         <p:spPr>
           <a:xfrm>
-            <a:off x="2851484" y="2716002"/>
+            <a:off x="2851484" y="2667874"/>
             <a:ext cx="1554277" cy="0"/>
           </a:xfrm>
           <a:prstGeom prst="line">
@@ -4701,7 +4673,7 @@
         </p:nvCxnSpPr>
         <p:spPr>
           <a:xfrm>
-            <a:off x="5617187" y="2716001"/>
+            <a:off x="5617187" y="2667873"/>
             <a:ext cx="1521584" cy="0"/>
           </a:xfrm>
           <a:prstGeom prst="line">
@@ -4739,7 +4711,7 @@
         </p:nvCxnSpPr>
         <p:spPr>
           <a:xfrm flipV="1">
-            <a:off x="8829681" y="2710727"/>
+            <a:off x="8829681" y="2662599"/>
             <a:ext cx="1385592" cy="10549"/>
           </a:xfrm>
           <a:prstGeom prst="line">
@@ -4771,7 +4743,7 @@
       </p:cxnSp>
       <p:pic>
         <p:nvPicPr>
-          <p:cNvPr id="93" name="Bild 92"/>
+          <p:cNvPr id="2" name="Bild 1"/>
           <p:cNvPicPr>
             <a:picLocks noChangeAspect="1"/>
           </p:cNvPicPr>
@@ -4983,11 +4955,6 @@
                 </a:rPr>
                 <a:t>Gateway</a:t>
               </a:r>
-              <a:endParaRPr lang="de-DE" sz="1400" dirty="0">
-                <a:solidFill>
-                  <a:schemeClr val="tx1"/>
-                </a:solidFill>
-              </a:endParaRPr>
             </a:p>
           </p:txBody>
         </p:sp>
@@ -5024,7 +4991,6 @@
                 <a:rPr lang="de-DE" sz="1400" dirty="0"/>
                 <a:t>Modbus TCP</a:t>
               </a:r>
-              <a:endParaRPr lang="de-DE" sz="1400" dirty="0"/>
             </a:p>
           </p:txBody>
         </p:sp>
@@ -5061,7 +5027,6 @@
                 <a:rPr lang="de-DE" sz="1400" dirty="0"/>
                 <a:t>Modbus RTU</a:t>
               </a:r>
-              <a:endParaRPr lang="de-DE" sz="1400" dirty="0"/>
             </a:p>
           </p:txBody>
         </p:sp>
@@ -5210,7 +5175,6 @@
                 <a:rPr lang="de-DE" sz="1400" b="1" dirty="0"/>
                 <a:t>Q</a:t>
               </a:r>
-              <a:endParaRPr lang="de-DE" sz="1400" b="1" dirty="0"/>
             </a:p>
           </p:txBody>
         </p:sp>
@@ -5240,7 +5204,6 @@
                 <a:rPr lang="de-DE" sz="1400" b="1" dirty="0"/>
                 <a:t>.</a:t>
               </a:r>
-              <a:endParaRPr lang="de-DE" sz="1400" b="1" dirty="0"/>
             </a:p>
           </p:txBody>
         </p:sp>
@@ -5377,11 +5340,6 @@
                 </a:rPr>
                 <a:t>Übersetzer</a:t>
               </a:r>
-              <a:endParaRPr lang="de-DE" sz="1400" dirty="0">
-                <a:solidFill>
-                  <a:schemeClr val="tx1"/>
-                </a:solidFill>
-              </a:endParaRPr>
             </a:p>
           </p:txBody>
         </p:sp>
@@ -5418,7 +5376,6 @@
                 <a:rPr lang="de-DE" sz="1400" dirty="0"/>
                 <a:t>Modbus RTU</a:t>
               </a:r>
-              <a:endParaRPr lang="de-DE" sz="1400" dirty="0"/>
             </a:p>
           </p:txBody>
         </p:sp>
@@ -5455,7 +5412,6 @@
                 <a:rPr lang="de-DE" sz="1400" dirty="0"/>
                 <a:t>Analog</a:t>
               </a:r>
-              <a:endParaRPr lang="de-DE" sz="1400" dirty="0"/>
             </a:p>
           </p:txBody>
         </p:sp>
@@ -5692,7 +5648,6 @@
                 <a:rPr lang="de-DE" sz="1400" dirty="0"/>
                 <a:t>Raumtemperatursensor(en)</a:t>
               </a:r>
-              <a:endParaRPr lang="de-DE" sz="1400" dirty="0"/>
             </a:p>
           </p:txBody>
         </p:sp>
@@ -5728,7 +5683,6 @@
               <a:rPr lang="de-DE" sz="1400" dirty="0"/>
               <a:t>Wärmemengenzähler (Sensor)</a:t>
             </a:r>
-            <a:endParaRPr lang="de-DE" sz="1400" dirty="0"/>
           </a:p>
         </p:txBody>
       </p:sp>
@@ -5771,7 +5725,6 @@
               <a:rPr lang="de-DE" sz="1400" dirty="0"/>
               <a:t>)</a:t>
             </a:r>
-            <a:endParaRPr lang="de-DE" sz="1400" dirty="0"/>
           </a:p>
         </p:txBody>
       </p:sp>
@@ -5870,7 +5823,6 @@
                   <a:rPr lang="de-DE" sz="1400" dirty="0"/>
                   <a:t>„Optimierer“</a:t>
                 </a:r>
-                <a:endParaRPr lang="de-DE" sz="1400" dirty="0"/>
               </a:p>
             </p:txBody>
           </p:sp>
@@ -5989,7 +5941,6 @@
               <a:rPr lang="de-DE" dirty="0"/>
               <a:t>Ethernet</a:t>
             </a:r>
-            <a:endParaRPr lang="de-DE" dirty="0"/>
           </a:p>
         </p:txBody>
       </p:sp>
@@ -6024,7 +5975,6 @@
               <a:rPr lang="de-DE" dirty="0"/>
               <a:t>RS-485</a:t>
             </a:r>
-            <a:endParaRPr lang="de-DE" dirty="0"/>
           </a:p>
         </p:txBody>
       </p:sp>
@@ -6056,7 +6006,6 @@
               <a:rPr lang="de-DE" dirty="0"/>
               <a:t>0 .. 10V</a:t>
             </a:r>
-            <a:endParaRPr lang="de-DE" dirty="0"/>
           </a:p>
         </p:txBody>
       </p:sp>
@@ -6180,7 +6129,6 @@
                 <a:rPr lang="de-DE" dirty="0"/>
                 <a:t>Gateway</a:t>
               </a:r>
-              <a:endParaRPr lang="de-DE" dirty="0"/>
             </a:p>
           </p:txBody>
         </p:sp>
@@ -6217,7 +6165,6 @@
                 <a:rPr lang="de-DE" dirty="0"/>
                 <a:t>Modbus TCP</a:t>
               </a:r>
-              <a:endParaRPr lang="de-DE" dirty="0"/>
             </a:p>
           </p:txBody>
         </p:sp>
@@ -6254,7 +6201,6 @@
                 <a:rPr lang="de-DE" dirty="0"/>
                 <a:t>Modbus RTU</a:t>
               </a:r>
-              <a:endParaRPr lang="de-DE" dirty="0"/>
             </a:p>
           </p:txBody>
         </p:sp>
@@ -6338,7 +6284,6 @@
                 <a:rPr lang="de-DE" dirty="0"/>
                 <a:t>(Steuerung)</a:t>
               </a:r>
-              <a:endParaRPr lang="de-DE" dirty="0"/>
             </a:p>
           </p:txBody>
         </p:sp>
@@ -6484,7 +6429,6 @@
                 <a:rPr lang="de-DE" b="1" dirty="0"/>
                 <a:t>Q</a:t>
               </a:r>
-              <a:endParaRPr lang="de-DE" b="1" dirty="0"/>
             </a:p>
           </p:txBody>
         </p:sp>
@@ -6514,7 +6458,6 @@
                 <a:rPr lang="de-DE" b="1" dirty="0"/>
                 <a:t>.</a:t>
               </a:r>
-              <a:endParaRPr lang="de-DE" b="1" dirty="0"/>
             </a:p>
           </p:txBody>
         </p:sp>
@@ -6649,7 +6592,6 @@
                 <a:rPr lang="de-DE" dirty="0"/>
                 <a:t>Übersetzer</a:t>
               </a:r>
-              <a:endParaRPr lang="de-DE" dirty="0"/>
             </a:p>
           </p:txBody>
         </p:sp>
@@ -6686,7 +6628,6 @@
                 <a:rPr lang="de-DE" dirty="0"/>
                 <a:t>Modbus RTU</a:t>
               </a:r>
-              <a:endParaRPr lang="de-DE" dirty="0"/>
             </a:p>
           </p:txBody>
         </p:sp>
@@ -6723,7 +6664,6 @@
                 <a:rPr lang="de-DE" dirty="0"/>
                 <a:t>Analog</a:t>
               </a:r>
-              <a:endParaRPr lang="de-DE" dirty="0"/>
             </a:p>
           </p:txBody>
         </p:sp>
@@ -6992,7 +6932,6 @@
                 <a:rPr lang="de-DE" dirty="0"/>
                 <a:t>Raumtemperatursensor</a:t>
               </a:r>
-              <a:endParaRPr lang="de-DE" dirty="0"/>
             </a:p>
           </p:txBody>
         </p:sp>
@@ -7028,7 +6967,6 @@
               <a:rPr lang="de-DE" dirty="0"/>
               <a:t>Wärmemengenzähler (Sensorik)</a:t>
             </a:r>
-            <a:endParaRPr lang="de-DE" dirty="0"/>
           </a:p>
         </p:txBody>
       </p:sp>
@@ -7071,7 +7009,6 @@
               <a:rPr lang="de-DE" dirty="0"/>
               <a:t>)</a:t>
             </a:r>
-            <a:endParaRPr lang="de-DE" dirty="0"/>
           </a:p>
         </p:txBody>
       </p:sp>
@@ -7163,12 +7100,6 @@
               </a:rPr>
               <a:t></a:t>
             </a:r>
-            <a:endParaRPr lang="de-DE" sz="1600" b="1" dirty="0">
-              <a:solidFill>
-                <a:srgbClr val="FF0000"/>
-              </a:solidFill>
-              <a:sym typeface="Wingdings"/>
-            </a:endParaRPr>
           </a:p>
           <a:p>
             <a:r>
@@ -7205,11 +7136,6 @@
               </a:rPr>
               <a:t>lediglich 2 Adapter von DN8 auf DN15 benötigt!!!</a:t>
             </a:r>
-            <a:endParaRPr lang="de-DE" sz="1600" b="1" dirty="0">
-              <a:solidFill>
-                <a:srgbClr val="FF0000"/>
-              </a:solidFill>
-            </a:endParaRPr>
           </a:p>
         </p:txBody>
       </p:sp>
@@ -7245,13 +7171,6 @@
               </a:rPr>
               <a:t>RS485 Netzwerk</a:t>
             </a:r>
-            <a:endParaRPr lang="de-DE" dirty="0">
-              <a:solidFill>
-                <a:schemeClr val="accent2">
-                  <a:lumMod val="50000"/>
-                </a:schemeClr>
-              </a:solidFill>
-            </a:endParaRPr>
           </a:p>
         </p:txBody>
       </p:sp>
@@ -7281,7 +7200,6 @@
               <a:rPr lang="de-DE" dirty="0"/>
               <a:t>Ethernet</a:t>
             </a:r>
-            <a:endParaRPr lang="de-DE" dirty="0"/>
           </a:p>
         </p:txBody>
       </p:sp>
